--- a/Portfolio.pptx
+++ b/Portfolio.pptx
@@ -220,7 +220,7 @@
           <a:p>
             <a:fld id="{4C39640F-93E8-4DA8-936A-C2EF6FF007AE}" type="datetimeFigureOut">
               <a:rPr lang="ko-KR" altLang="en-US" smtClean="0"/>
-              <a:t>2021-06-19</a:t>
+              <a:t>2021-06-20</a:t>
             </a:fld>
             <a:endParaRPr lang="ko-KR" altLang="en-US"/>
           </a:p>
@@ -728,7 +728,7 @@
           <a:p>
             <a:fld id="{004C3336-E740-4C0A-8F63-65CA84D4BED1}" type="datetimeFigureOut">
               <a:rPr lang="ko-KR" altLang="en-US" smtClean="0"/>
-              <a:t>2021-06-19</a:t>
+              <a:t>2021-06-20</a:t>
             </a:fld>
             <a:endParaRPr lang="ko-KR" altLang="en-US"/>
           </a:p>
@@ -898,7 +898,7 @@
           <a:p>
             <a:fld id="{004C3336-E740-4C0A-8F63-65CA84D4BED1}" type="datetimeFigureOut">
               <a:rPr lang="ko-KR" altLang="en-US" smtClean="0"/>
-              <a:t>2021-06-19</a:t>
+              <a:t>2021-06-20</a:t>
             </a:fld>
             <a:endParaRPr lang="ko-KR" altLang="en-US"/>
           </a:p>
@@ -1078,7 +1078,7 @@
           <a:p>
             <a:fld id="{004C3336-E740-4C0A-8F63-65CA84D4BED1}" type="datetimeFigureOut">
               <a:rPr lang="ko-KR" altLang="en-US" smtClean="0"/>
-              <a:t>2021-06-19</a:t>
+              <a:t>2021-06-20</a:t>
             </a:fld>
             <a:endParaRPr lang="ko-KR" altLang="en-US"/>
           </a:p>
@@ -2398,7 +2398,7 @@
           <a:p>
             <a:fld id="{004C3336-E740-4C0A-8F63-65CA84D4BED1}" type="datetimeFigureOut">
               <a:rPr lang="ko-KR" altLang="en-US" smtClean="0"/>
-              <a:t>2021-06-19</a:t>
+              <a:t>2021-06-20</a:t>
             </a:fld>
             <a:endParaRPr lang="ko-KR" altLang="en-US"/>
           </a:p>
@@ -2644,7 +2644,7 @@
           <a:p>
             <a:fld id="{004C3336-E740-4C0A-8F63-65CA84D4BED1}" type="datetimeFigureOut">
               <a:rPr lang="ko-KR" altLang="en-US" smtClean="0"/>
-              <a:t>2021-06-19</a:t>
+              <a:t>2021-06-20</a:t>
             </a:fld>
             <a:endParaRPr lang="ko-KR" altLang="en-US"/>
           </a:p>
@@ -2876,7 +2876,7 @@
           <a:p>
             <a:fld id="{004C3336-E740-4C0A-8F63-65CA84D4BED1}" type="datetimeFigureOut">
               <a:rPr lang="ko-KR" altLang="en-US" smtClean="0"/>
-              <a:t>2021-06-19</a:t>
+              <a:t>2021-06-20</a:t>
             </a:fld>
             <a:endParaRPr lang="ko-KR" altLang="en-US"/>
           </a:p>
@@ -3243,7 +3243,7 @@
           <a:p>
             <a:fld id="{004C3336-E740-4C0A-8F63-65CA84D4BED1}" type="datetimeFigureOut">
               <a:rPr lang="ko-KR" altLang="en-US" smtClean="0"/>
-              <a:t>2021-06-19</a:t>
+              <a:t>2021-06-20</a:t>
             </a:fld>
             <a:endParaRPr lang="ko-KR" altLang="en-US"/>
           </a:p>
@@ -3361,7 +3361,7 @@
           <a:p>
             <a:fld id="{004C3336-E740-4C0A-8F63-65CA84D4BED1}" type="datetimeFigureOut">
               <a:rPr lang="ko-KR" altLang="en-US" smtClean="0"/>
-              <a:t>2021-06-19</a:t>
+              <a:t>2021-06-20</a:t>
             </a:fld>
             <a:endParaRPr lang="ko-KR" altLang="en-US"/>
           </a:p>
@@ -3456,7 +3456,7 @@
           <a:p>
             <a:fld id="{004C3336-E740-4C0A-8F63-65CA84D4BED1}" type="datetimeFigureOut">
               <a:rPr lang="ko-KR" altLang="en-US" smtClean="0"/>
-              <a:t>2021-06-19</a:t>
+              <a:t>2021-06-20</a:t>
             </a:fld>
             <a:endParaRPr lang="ko-KR" altLang="en-US"/>
           </a:p>
@@ -3733,7 +3733,7 @@
           <a:p>
             <a:fld id="{004C3336-E740-4C0A-8F63-65CA84D4BED1}" type="datetimeFigureOut">
               <a:rPr lang="ko-KR" altLang="en-US" smtClean="0"/>
-              <a:t>2021-06-19</a:t>
+              <a:t>2021-06-20</a:t>
             </a:fld>
             <a:endParaRPr lang="ko-KR" altLang="en-US"/>
           </a:p>
@@ -3986,7 +3986,7 @@
           <a:p>
             <a:fld id="{004C3336-E740-4C0A-8F63-65CA84D4BED1}" type="datetimeFigureOut">
               <a:rPr lang="ko-KR" altLang="en-US" smtClean="0"/>
-              <a:t>2021-06-19</a:t>
+              <a:t>2021-06-20</a:t>
             </a:fld>
             <a:endParaRPr lang="ko-KR" altLang="en-US"/>
           </a:p>
@@ -4199,7 +4199,7 @@
           <a:p>
             <a:fld id="{004C3336-E740-4C0A-8F63-65CA84D4BED1}" type="datetimeFigureOut">
               <a:rPr lang="ko-KR" altLang="en-US" smtClean="0"/>
-              <a:t>2021-06-19</a:t>
+              <a:t>2021-06-20</a:t>
             </a:fld>
             <a:endParaRPr lang="ko-KR" altLang="en-US"/>
           </a:p>
@@ -7443,7 +7443,7 @@
                 <a:latin typeface="에스코어 드림 8 Heavy" panose="020B0903030302020204" pitchFamily="34" charset="-127"/>
                 <a:ea typeface="에스코어 드림 8 Heavy" panose="020B0903030302020204" pitchFamily="34" charset="-127"/>
               </a:rPr>
-              <a:t>Development Capabilities</a:t>
+              <a:t>Capabilities</a:t>
             </a:r>
             <a:endParaRPr lang="ko-KR" altLang="en-US" sz="2800" dirty="0">
               <a:solidFill>
@@ -19222,17 +19222,7 @@
                 <a:latin typeface="에스코어 드림 8 Heavy" panose="020B0903030302020204" pitchFamily="34" charset="-127"/>
                 <a:ea typeface="에스코어 드림 8 Heavy" panose="020B0903030302020204" pitchFamily="34" charset="-127"/>
               </a:rPr>
-              <a:t>Development </a:t>
-            </a:r>
-            <a:r>
-              <a:rPr lang="en-US" altLang="ko-KR" sz="2800" dirty="0" smtClean="0">
-                <a:solidFill>
-                  <a:schemeClr val="bg1"/>
-                </a:solidFill>
-                <a:latin typeface="에스코어 드림 8 Heavy" panose="020B0903030302020204" pitchFamily="34" charset="-127"/>
-                <a:ea typeface="에스코어 드림 8 Heavy" panose="020B0903030302020204" pitchFamily="34" charset="-127"/>
-              </a:rPr>
-              <a:t>Experiences</a:t>
+              <a:t>Development Experiences</a:t>
             </a:r>
             <a:endParaRPr lang="ko-KR" altLang="en-US" sz="2800" dirty="0">
               <a:solidFill>

--- a/Portfolio.pptx
+++ b/Portfolio.pptx
@@ -220,7 +220,7 @@
           <a:p>
             <a:fld id="{4C39640F-93E8-4DA8-936A-C2EF6FF007AE}" type="datetimeFigureOut">
               <a:rPr lang="ko-KR" altLang="en-US" smtClean="0"/>
-              <a:t>2021-06-20</a:t>
+              <a:t>2021-07-23</a:t>
             </a:fld>
             <a:endParaRPr lang="ko-KR" altLang="en-US"/>
           </a:p>
@@ -728,7 +728,7 @@
           <a:p>
             <a:fld id="{004C3336-E740-4C0A-8F63-65CA84D4BED1}" type="datetimeFigureOut">
               <a:rPr lang="ko-KR" altLang="en-US" smtClean="0"/>
-              <a:t>2021-06-20</a:t>
+              <a:t>2021-07-23</a:t>
             </a:fld>
             <a:endParaRPr lang="ko-KR" altLang="en-US"/>
           </a:p>
@@ -898,7 +898,7 @@
           <a:p>
             <a:fld id="{004C3336-E740-4C0A-8F63-65CA84D4BED1}" type="datetimeFigureOut">
               <a:rPr lang="ko-KR" altLang="en-US" smtClean="0"/>
-              <a:t>2021-06-20</a:t>
+              <a:t>2021-07-23</a:t>
             </a:fld>
             <a:endParaRPr lang="ko-KR" altLang="en-US"/>
           </a:p>
@@ -1078,7 +1078,7 @@
           <a:p>
             <a:fld id="{004C3336-E740-4C0A-8F63-65CA84D4BED1}" type="datetimeFigureOut">
               <a:rPr lang="ko-KR" altLang="en-US" smtClean="0"/>
-              <a:t>2021-06-20</a:t>
+              <a:t>2021-07-23</a:t>
             </a:fld>
             <a:endParaRPr lang="ko-KR" altLang="en-US"/>
           </a:p>
@@ -2398,7 +2398,7 @@
           <a:p>
             <a:fld id="{004C3336-E740-4C0A-8F63-65CA84D4BED1}" type="datetimeFigureOut">
               <a:rPr lang="ko-KR" altLang="en-US" smtClean="0"/>
-              <a:t>2021-06-20</a:t>
+              <a:t>2021-07-23</a:t>
             </a:fld>
             <a:endParaRPr lang="ko-KR" altLang="en-US"/>
           </a:p>
@@ -2644,7 +2644,7 @@
           <a:p>
             <a:fld id="{004C3336-E740-4C0A-8F63-65CA84D4BED1}" type="datetimeFigureOut">
               <a:rPr lang="ko-KR" altLang="en-US" smtClean="0"/>
-              <a:t>2021-06-20</a:t>
+              <a:t>2021-07-23</a:t>
             </a:fld>
             <a:endParaRPr lang="ko-KR" altLang="en-US"/>
           </a:p>
@@ -2876,7 +2876,7 @@
           <a:p>
             <a:fld id="{004C3336-E740-4C0A-8F63-65CA84D4BED1}" type="datetimeFigureOut">
               <a:rPr lang="ko-KR" altLang="en-US" smtClean="0"/>
-              <a:t>2021-06-20</a:t>
+              <a:t>2021-07-23</a:t>
             </a:fld>
             <a:endParaRPr lang="ko-KR" altLang="en-US"/>
           </a:p>
@@ -3243,7 +3243,7 @@
           <a:p>
             <a:fld id="{004C3336-E740-4C0A-8F63-65CA84D4BED1}" type="datetimeFigureOut">
               <a:rPr lang="ko-KR" altLang="en-US" smtClean="0"/>
-              <a:t>2021-06-20</a:t>
+              <a:t>2021-07-23</a:t>
             </a:fld>
             <a:endParaRPr lang="ko-KR" altLang="en-US"/>
           </a:p>
@@ -3361,7 +3361,7 @@
           <a:p>
             <a:fld id="{004C3336-E740-4C0A-8F63-65CA84D4BED1}" type="datetimeFigureOut">
               <a:rPr lang="ko-KR" altLang="en-US" smtClean="0"/>
-              <a:t>2021-06-20</a:t>
+              <a:t>2021-07-23</a:t>
             </a:fld>
             <a:endParaRPr lang="ko-KR" altLang="en-US"/>
           </a:p>
@@ -3456,7 +3456,7 @@
           <a:p>
             <a:fld id="{004C3336-E740-4C0A-8F63-65CA84D4BED1}" type="datetimeFigureOut">
               <a:rPr lang="ko-KR" altLang="en-US" smtClean="0"/>
-              <a:t>2021-06-20</a:t>
+              <a:t>2021-07-23</a:t>
             </a:fld>
             <a:endParaRPr lang="ko-KR" altLang="en-US"/>
           </a:p>
@@ -3733,7 +3733,7 @@
           <a:p>
             <a:fld id="{004C3336-E740-4C0A-8F63-65CA84D4BED1}" type="datetimeFigureOut">
               <a:rPr lang="ko-KR" altLang="en-US" smtClean="0"/>
-              <a:t>2021-06-20</a:t>
+              <a:t>2021-07-23</a:t>
             </a:fld>
             <a:endParaRPr lang="ko-KR" altLang="en-US"/>
           </a:p>
@@ -3986,7 +3986,7 @@
           <a:p>
             <a:fld id="{004C3336-E740-4C0A-8F63-65CA84D4BED1}" type="datetimeFigureOut">
               <a:rPr lang="ko-KR" altLang="en-US" smtClean="0"/>
-              <a:t>2021-06-20</a:t>
+              <a:t>2021-07-23</a:t>
             </a:fld>
             <a:endParaRPr lang="ko-KR" altLang="en-US"/>
           </a:p>
@@ -4199,7 +4199,7 @@
           <a:p>
             <a:fld id="{004C3336-E740-4C0A-8F63-65CA84D4BED1}" type="datetimeFigureOut">
               <a:rPr lang="ko-KR" altLang="en-US" smtClean="0"/>
-              <a:t>2021-06-20</a:t>
+              <a:t>2021-07-23</a:t>
             </a:fld>
             <a:endParaRPr lang="ko-KR" altLang="en-US"/>
           </a:p>
@@ -5077,15 +5077,12 @@
                 <a:latin typeface="에스코어 드림 3 Light" panose="020B0303030302020204" pitchFamily="34" charset="-127"/>
                 <a:ea typeface="에스코어 드림 3 Light" panose="020B0303030302020204" pitchFamily="34" charset="-127"/>
               </a:rPr>
-              <a:t> 인플루언서를 찾아주는 </a:t>
-            </a:r>
-            <a:r>
-              <a:rPr lang="en-US" altLang="ko-KR" sz="1100" dirty="0" smtClean="0">
-                <a:latin typeface="에스코어 드림 3 Light" panose="020B0303030302020204" pitchFamily="34" charset="-127"/>
-                <a:ea typeface="에스코어 드림 3 Light" panose="020B0303030302020204" pitchFamily="34" charset="-127"/>
-              </a:rPr>
-              <a:t>Library</a:t>
-            </a:r>
+              <a:t> 인플루언서를 찾아주는 라이브러리 개발</a:t>
+            </a:r>
+            <a:endParaRPr lang="en-US" altLang="ko-KR" sz="1100" dirty="0" smtClean="0">
+              <a:latin typeface="에스코어 드림 3 Light" panose="020B0303030302020204" pitchFamily="34" charset="-127"/>
+              <a:ea typeface="에스코어 드림 3 Light" panose="020B0303030302020204" pitchFamily="34" charset="-127"/>
+            </a:endParaRPr>
           </a:p>
           <a:p>
             <a:pPr marL="171450" indent="-171450">
@@ -18538,7 +18535,7 @@
         <p:spPr>
           <a:xfrm>
             <a:off x="4098764" y="5098873"/>
-            <a:ext cx="4030346" cy="1169487"/>
+            <a:ext cx="4030346" cy="1200329"/>
           </a:xfrm>
           <a:prstGeom prst="rect">
             <a:avLst/>
@@ -18652,7 +18649,7 @@
                 <a:latin typeface="에스코어 드림 5 Medium" panose="020B0503030302020204" pitchFamily="34" charset="-127"/>
                 <a:ea typeface="에스코어 드림 5 Medium" panose="020B0503030302020204" pitchFamily="34" charset="-127"/>
               </a:rPr>
-              <a:t>우수 창업 아이템 경진대회 선정</a:t>
+              <a:t>우수 창업 아이템 경진대회 입상</a:t>
             </a:r>
             <a:endParaRPr lang="en-US" altLang="ko-KR" sz="1200" dirty="0" smtClean="0">
               <a:latin typeface="에스코어 드림 5 Medium" panose="020B0503030302020204" pitchFamily="34" charset="-127"/>
@@ -21283,7 +21280,7 @@
         <p:spPr>
           <a:xfrm>
             <a:off x="864000" y="3573000"/>
-            <a:ext cx="6240000" cy="2831481"/>
+            <a:ext cx="6240000" cy="2862322"/>
           </a:xfrm>
           <a:prstGeom prst="rect">
             <a:avLst/>
@@ -21487,7 +21484,7 @@
                 <a:latin typeface="에스코어 드림 3 Light" panose="020B0303030302020204" pitchFamily="34" charset="-127"/>
                 <a:ea typeface="에스코어 드림 3 Light" panose="020B0303030302020204" pitchFamily="34" charset="-127"/>
               </a:rPr>
-              <a:t>만 개의 뉴스 댓글을 수집</a:t>
+              <a:t>만 개의 뉴스 댓글 수집</a:t>
             </a:r>
             <a:endParaRPr lang="en-US" altLang="ko-KR" sz="1200" dirty="0" smtClean="0">
               <a:latin typeface="에스코어 드림 3 Light" panose="020B0303030302020204" pitchFamily="34" charset="-127"/>
@@ -21586,8 +21583,19 @@
                 <a:latin typeface="에스코어 드림 3 Light" panose="020B0303030302020204" pitchFamily="34" charset="-127"/>
                 <a:ea typeface="에스코어 드림 3 Light" panose="020B0303030302020204" pitchFamily="34" charset="-127"/>
               </a:rPr>
-              <a:t>Text Data to Vector</a:t>
-            </a:r>
+              <a:t>Text Data to Vector </a:t>
+            </a:r>
+            <a:r>
+              <a:rPr lang="ko-KR" altLang="en-US" sz="1200" dirty="0" smtClean="0">
+                <a:latin typeface="에스코어 드림 3 Light" panose="020B0303030302020204" pitchFamily="34" charset="-127"/>
+                <a:ea typeface="에스코어 드림 3 Light" panose="020B0303030302020204" pitchFamily="34" charset="-127"/>
+              </a:rPr>
+              <a:t>작업</a:t>
+            </a:r>
+            <a:endParaRPr lang="en-US" altLang="ko-KR" sz="1200" dirty="0" smtClean="0">
+              <a:latin typeface="에스코어 드림 3 Light" panose="020B0303030302020204" pitchFamily="34" charset="-127"/>
+              <a:ea typeface="에스코어 드림 3 Light" panose="020B0303030302020204" pitchFamily="34" charset="-127"/>
+            </a:endParaRPr>
           </a:p>
           <a:p>
             <a:pPr marL="171450" indent="-171450">
@@ -21678,7 +21686,21 @@
                 <a:latin typeface="에스코어 드림 3 Light" panose="020B0303030302020204" pitchFamily="34" charset="-127"/>
                 <a:ea typeface="에스코어 드림 3 Light" panose="020B0303030302020204" pitchFamily="34" charset="-127"/>
               </a:rPr>
-              <a:t>방식으로 댓글 감성 값을 레이블링하여 훈련 데이터 생성</a:t>
+              <a:t>방식으로 </a:t>
+            </a:r>
+            <a:r>
+              <a:rPr lang="en-US" altLang="ko-KR" sz="1200" dirty="0" smtClean="0">
+                <a:latin typeface="에스코어 드림 3 Light" panose="020B0303030302020204" pitchFamily="34" charset="-127"/>
+                <a:ea typeface="에스코어 드림 3 Light" panose="020B0303030302020204" pitchFamily="34" charset="-127"/>
+              </a:rPr>
+              <a:t>3</a:t>
+            </a:r>
+            <a:r>
+              <a:rPr lang="ko-KR" altLang="en-US" sz="1200" dirty="0" smtClean="0">
+                <a:latin typeface="에스코어 드림 3 Light" panose="020B0303030302020204" pitchFamily="34" charset="-127"/>
+                <a:ea typeface="에스코어 드림 3 Light" panose="020B0303030302020204" pitchFamily="34" charset="-127"/>
+              </a:rPr>
+              <a:t>만 개 댓글의 감성 값을 레이블링하여 훈련 데이터 생성</a:t>
             </a:r>
             <a:endParaRPr lang="en-US" altLang="ko-KR" sz="1200" dirty="0" smtClean="0">
               <a:latin typeface="에스코어 드림 3 Light" panose="020B0303030302020204" pitchFamily="34" charset="-127"/>
@@ -22283,16 +22305,12 @@
               <a:t>활용 및 </a:t>
             </a:r>
             <a:r>
-              <a:rPr lang="ko-KR" altLang="en-US" sz="1100" dirty="0" err="1" smtClean="0">
-                <a:latin typeface="에스코어 드림 3 Light" panose="020B0303030302020204" pitchFamily="34" charset="-127"/>
-                <a:ea typeface="에스코어 드림 3 Light" panose="020B0303030302020204" pitchFamily="34" charset="-127"/>
-              </a:rPr>
-              <a:t>재가공</a:t>
-            </a:r>
-            <a:endParaRPr lang="en-US" altLang="ko-KR" sz="1100" dirty="0" smtClean="0">
-              <a:latin typeface="에스코어 드림 3 Light" panose="020B0303030302020204" pitchFamily="34" charset="-127"/>
-              <a:ea typeface="에스코어 드림 3 Light" panose="020B0303030302020204" pitchFamily="34" charset="-127"/>
-            </a:endParaRPr>
+              <a:rPr lang="en-US" altLang="ko-KR" sz="1100" dirty="0" smtClean="0">
+                <a:latin typeface="에스코어 드림 3 Light" panose="020B0303030302020204" pitchFamily="34" charset="-127"/>
+                <a:ea typeface="에스코어 드림 3 Light" panose="020B0303030302020204" pitchFamily="34" charset="-127"/>
+              </a:rPr>
+              <a:t>Refactoring</a:t>
+            </a:r>
           </a:p>
           <a:p>
             <a:pPr marL="171450" indent="-171450">
@@ -22984,11 +23002,11 @@
               <a:t>전체 작업 소요 시간 약 </a:t>
             </a:r>
             <a:r>
-              <a:rPr lang="en-US" altLang="ko-KR" sz="1100" dirty="0" smtClean="0">
-                <a:latin typeface="에스코어 드림 3 Light" panose="020B0303030302020204" pitchFamily="34" charset="-127"/>
-                <a:ea typeface="에스코어 드림 3 Light" panose="020B0303030302020204" pitchFamily="34" charset="-127"/>
-              </a:rPr>
-              <a:t>3</a:t>
+              <a:rPr lang="en-US" altLang="ko-KR" sz="1100" dirty="0">
+                <a:latin typeface="에스코어 드림 3 Light" panose="020B0303030302020204" pitchFamily="34" charset="-127"/>
+                <a:ea typeface="에스코어 드림 3 Light" panose="020B0303030302020204" pitchFamily="34" charset="-127"/>
+              </a:rPr>
+              <a:t>2</a:t>
             </a:r>
             <a:r>
               <a:rPr lang="ko-KR" altLang="en-US" sz="1100" dirty="0" smtClean="0">
@@ -24003,7 +24021,7 @@
                 <a:latin typeface="에스코어 드림 3 Light" panose="020B0303030302020204" pitchFamily="34" charset="-127"/>
                 <a:ea typeface="에스코어 드림 3 Light" panose="020B0303030302020204" pitchFamily="34" charset="-127"/>
               </a:rPr>
-              <a:t>문서로 반환해주는 라이브러리</a:t>
+              <a:t>문서로 반환해주는 라이브러리 개발</a:t>
             </a:r>
             <a:endParaRPr lang="en-US" altLang="ko-KR" sz="1100" dirty="0" smtClean="0">
               <a:latin typeface="에스코어 드림 3 Light" panose="020B0303030302020204" pitchFamily="34" charset="-127"/>
@@ -24141,7 +24159,7 @@
                 <a:latin typeface="에스코어 드림 3 Light" panose="020B0303030302020204" pitchFamily="34" charset="-127"/>
                 <a:ea typeface="에스코어 드림 3 Light" panose="020B0303030302020204" pitchFamily="34" charset="-127"/>
               </a:rPr>
-              <a:t>내부 태그의 구조를 확인</a:t>
+              <a:t>내부 구조의 계층 관계 분석</a:t>
             </a:r>
             <a:endParaRPr lang="en-US" altLang="ko-KR" sz="1100" dirty="0" smtClean="0">
               <a:latin typeface="에스코어 드림 3 Light" panose="020B0303030302020204" pitchFamily="34" charset="-127"/>
@@ -24244,7 +24262,7 @@
                 <a:latin typeface="에스코어 드림 3 Light" panose="020B0303030302020204" pitchFamily="34" charset="-127"/>
                 <a:ea typeface="에스코어 드림 3 Light" panose="020B0303030302020204" pitchFamily="34" charset="-127"/>
               </a:rPr>
-              <a:t>다중 중첩된 테이블도 변환 가능</a:t>
+              <a:t>다중 중첩된 테이블도 변환하도록 개발</a:t>
             </a:r>
             <a:endParaRPr lang="en-US" altLang="ko-KR" sz="1100" dirty="0" smtClean="0">
               <a:latin typeface="에스코어 드림 3 Light" panose="020B0303030302020204" pitchFamily="34" charset="-127"/>
